--- a/멋쟁이사자처럼/1주차 4조/1주차_아이디어톤_Team4.pptx
+++ b/멋쟁이사자처럼/1주차 4조/1주차_아이디어톤_Team4.pptx
@@ -23,7 +23,7 @@
     <p:sldId id="271" r:id="rId17"/>
     <p:sldId id="272" r:id="rId18"/>
   </p:sldIdLst>
-  <p:sldSz cx="18288000" cy="10287000"/>
+  <p:sldSz cx="18288000" cy="10287000" type="screen4x3"/>
   <p:notesSz cx="10287000" cy="18288000"/>
   <p:defaultTextStyle>
     <a:defPPr>
@@ -122,18 +122,7 @@
   </p:defaultTextStyle>
   <p:extLst>
     <p:ext uri="{EFAFB233-063F-42B5-8137-9DF3F51BA10A}">
-      <p15:sldGuideLst xmlns:p15="http://schemas.microsoft.com/office/powerpoint/2012/main">
-        <p15:guide id="1" orient="horz" pos="2160">
-          <p15:clr>
-            <a:srgbClr val="A4A3A4"/>
-          </p15:clr>
-        </p15:guide>
-        <p15:guide id="2" pos="2880">
-          <p15:clr>
-            <a:srgbClr val="A4A3A4"/>
-          </p15:clr>
-        </p15:guide>
-      </p15:sldGuideLst>
+      <p15:sldGuideLst xmlns:p15="http://schemas.microsoft.com/office/powerpoint/2012/main"/>
     </p:ext>
   </p:extLst>
 </p:presentation>
@@ -177,9 +166,10 @@
           <a:lstStyle/>
           <a:p>
             <a:r>
-              <a:rPr lang="en-US"/>
+              <a:rPr lang="en-US" smtClean="0"/>
               <a:t>Click to edit Master title style</a:t>
             </a:r>
+            <a:endParaRPr lang="en-US"/>
           </a:p>
         </p:txBody>
       </p:sp>
@@ -295,9 +285,10 @@
           </a:lstStyle>
           <a:p>
             <a:r>
-              <a:rPr lang="en-US"/>
+              <a:rPr lang="en-US" smtClean="0"/>
               <a:t>Click to edit Master subtitle style</a:t>
             </a:r>
+            <a:endParaRPr lang="en-US"/>
           </a:p>
         </p:txBody>
       </p:sp>
@@ -407,9 +398,10 @@
           <a:lstStyle/>
           <a:p>
             <a:r>
-              <a:rPr lang="en-US"/>
+              <a:rPr lang="en-US" smtClean="0"/>
               <a:t>Click to edit Master title style</a:t>
             </a:r>
+            <a:endParaRPr lang="en-US"/>
           </a:p>
         </p:txBody>
       </p:sp>
@@ -430,37 +422,38 @@
           <a:p>
             <a:pPr lvl="0"/>
             <a:r>
-              <a:rPr lang="en-US"/>
+              <a:rPr lang="en-US" smtClean="0"/>
               <a:t>Click to edit Master text styles</a:t>
             </a:r>
           </a:p>
           <a:p>
             <a:pPr lvl="1"/>
             <a:r>
-              <a:rPr lang="en-US"/>
+              <a:rPr lang="en-US" smtClean="0"/>
               <a:t>Second level</a:t>
             </a:r>
           </a:p>
           <a:p>
             <a:pPr lvl="2"/>
             <a:r>
-              <a:rPr lang="en-US"/>
+              <a:rPr lang="en-US" smtClean="0"/>
               <a:t>Third level</a:t>
             </a:r>
           </a:p>
           <a:p>
             <a:pPr lvl="3"/>
             <a:r>
-              <a:rPr lang="en-US"/>
+              <a:rPr lang="en-US" smtClean="0"/>
               <a:t>Fourth level</a:t>
             </a:r>
           </a:p>
           <a:p>
             <a:pPr lvl="4"/>
             <a:r>
-              <a:rPr lang="en-US"/>
+              <a:rPr lang="en-US" smtClean="0"/>
               <a:t>Fifth level</a:t>
             </a:r>
+            <a:endParaRPr lang="en-US"/>
           </a:p>
         </p:txBody>
       </p:sp>
@@ -481,7 +474,7 @@
           <a:p>
             <a:fld id="{A76116CE-C4A3-4A05-B2D7-7C2E9A889C0F}" type="datetimeFigureOut">
               <a:rPr lang="en-US" smtClean="0"/>
-              <a:t>3/12/2023</a:t>
+              <a:t>1/30/2017</a:t>
             </a:fld>
             <a:endParaRPr lang="en-US"/>
           </a:p>
@@ -575,9 +568,10 @@
           <a:lstStyle/>
           <a:p>
             <a:r>
-              <a:rPr lang="en-US"/>
+              <a:rPr lang="en-US" smtClean="0"/>
               <a:t>Click to edit Master title style</a:t>
             </a:r>
+            <a:endParaRPr lang="en-US"/>
           </a:p>
         </p:txBody>
       </p:sp>
@@ -603,37 +597,38 @@
           <a:p>
             <a:pPr lvl="0"/>
             <a:r>
-              <a:rPr lang="en-US"/>
+              <a:rPr lang="en-US" smtClean="0"/>
               <a:t>Click to edit Master text styles</a:t>
             </a:r>
           </a:p>
           <a:p>
             <a:pPr lvl="1"/>
             <a:r>
-              <a:rPr lang="en-US"/>
+              <a:rPr lang="en-US" smtClean="0"/>
               <a:t>Second level</a:t>
             </a:r>
           </a:p>
           <a:p>
             <a:pPr lvl="2"/>
             <a:r>
-              <a:rPr lang="en-US"/>
+              <a:rPr lang="en-US" smtClean="0"/>
               <a:t>Third level</a:t>
             </a:r>
           </a:p>
           <a:p>
             <a:pPr lvl="3"/>
             <a:r>
-              <a:rPr lang="en-US"/>
+              <a:rPr lang="en-US" smtClean="0"/>
               <a:t>Fourth level</a:t>
             </a:r>
           </a:p>
           <a:p>
             <a:pPr lvl="4"/>
             <a:r>
-              <a:rPr lang="en-US"/>
+              <a:rPr lang="en-US" smtClean="0"/>
               <a:t>Fifth level</a:t>
             </a:r>
+            <a:endParaRPr lang="en-US"/>
           </a:p>
         </p:txBody>
       </p:sp>
@@ -654,7 +649,7 @@
           <a:p>
             <a:fld id="{A76116CE-C4A3-4A05-B2D7-7C2E9A889C0F}" type="datetimeFigureOut">
               <a:rPr lang="en-US" smtClean="0"/>
-              <a:t>3/12/2023</a:t>
+              <a:t>1/30/2017</a:t>
             </a:fld>
             <a:endParaRPr lang="en-US"/>
           </a:p>
@@ -743,9 +738,10 @@
           <a:lstStyle/>
           <a:p>
             <a:r>
-              <a:rPr lang="en-US"/>
+              <a:rPr lang="en-US" smtClean="0"/>
               <a:t>Click to edit Master title style</a:t>
             </a:r>
+            <a:endParaRPr lang="en-US"/>
           </a:p>
         </p:txBody>
       </p:sp>
@@ -768,37 +764,38 @@
               <a:buChar char="•"/>
             </a:pPr>
             <a:r>
-              <a:rPr lang="en-US"/>
+              <a:rPr lang="en-US" smtClean="0"/>
               <a:t>Click to edit Master text styles</a:t>
             </a:r>
           </a:p>
           <a:p>
             <a:pPr lvl="1"/>
             <a:r>
-              <a:rPr lang="en-US"/>
+              <a:rPr lang="en-US" smtClean="0"/>
               <a:t>Second level</a:t>
             </a:r>
           </a:p>
           <a:p>
             <a:pPr lvl="2"/>
             <a:r>
-              <a:rPr lang="en-US"/>
+              <a:rPr lang="en-US" smtClean="0"/>
               <a:t>Third level</a:t>
             </a:r>
           </a:p>
           <a:p>
             <a:pPr lvl="3"/>
             <a:r>
-              <a:rPr lang="en-US"/>
+              <a:rPr lang="en-US" smtClean="0"/>
               <a:t>Fourth level</a:t>
             </a:r>
           </a:p>
           <a:p>
             <a:pPr lvl="4"/>
             <a:r>
-              <a:rPr lang="en-US"/>
+              <a:rPr lang="en-US" smtClean="0"/>
               <a:t>Fifth level</a:t>
             </a:r>
+            <a:endParaRPr lang="en-US"/>
           </a:p>
         </p:txBody>
       </p:sp>
@@ -917,9 +914,10 @@
           </a:lstStyle>
           <a:p>
             <a:r>
-              <a:rPr lang="en-US"/>
+              <a:rPr lang="en-US" smtClean="0"/>
               <a:t>Click to edit Master title style</a:t>
             </a:r>
+            <a:endParaRPr lang="en-US"/>
           </a:p>
         </p:txBody>
       </p:sp>
@@ -1036,7 +1034,7 @@
           <a:p>
             <a:pPr lvl="0"/>
             <a:r>
-              <a:rPr lang="en-US"/>
+              <a:rPr lang="en-US" smtClean="0"/>
               <a:t>Click to edit Master text styles</a:t>
             </a:r>
           </a:p>
@@ -1148,9 +1146,10 @@
           <a:lstStyle/>
           <a:p>
             <a:r>
-              <a:rPr lang="en-US"/>
+              <a:rPr lang="en-US" smtClean="0"/>
               <a:t>Click to edit Master title style</a:t>
             </a:r>
+            <a:endParaRPr lang="en-US"/>
           </a:p>
         </p:txBody>
       </p:sp>
@@ -1204,37 +1203,38 @@
           <a:p>
             <a:pPr lvl="0"/>
             <a:r>
-              <a:rPr lang="en-US"/>
+              <a:rPr lang="en-US" smtClean="0"/>
               <a:t>Click to edit Master text styles</a:t>
             </a:r>
           </a:p>
           <a:p>
             <a:pPr lvl="1"/>
             <a:r>
-              <a:rPr lang="en-US"/>
+              <a:rPr lang="en-US" smtClean="0"/>
               <a:t>Second level</a:t>
             </a:r>
           </a:p>
           <a:p>
             <a:pPr lvl="2"/>
             <a:r>
-              <a:rPr lang="en-US"/>
+              <a:rPr lang="en-US" smtClean="0"/>
               <a:t>Third level</a:t>
             </a:r>
           </a:p>
           <a:p>
             <a:pPr lvl="3"/>
             <a:r>
-              <a:rPr lang="en-US"/>
+              <a:rPr lang="en-US" smtClean="0"/>
               <a:t>Fourth level</a:t>
             </a:r>
           </a:p>
           <a:p>
             <a:pPr lvl="4"/>
             <a:r>
-              <a:rPr lang="en-US"/>
+              <a:rPr lang="en-US" smtClean="0"/>
               <a:t>Fifth level</a:t>
             </a:r>
+            <a:endParaRPr lang="en-US"/>
           </a:p>
         </p:txBody>
       </p:sp>
@@ -1288,37 +1288,38 @@
           <a:p>
             <a:pPr lvl="0"/>
             <a:r>
-              <a:rPr lang="en-US"/>
+              <a:rPr lang="en-US" smtClean="0"/>
               <a:t>Click to edit Master text styles</a:t>
             </a:r>
           </a:p>
           <a:p>
             <a:pPr lvl="1"/>
             <a:r>
-              <a:rPr lang="en-US"/>
+              <a:rPr lang="en-US" smtClean="0"/>
               <a:t>Second level</a:t>
             </a:r>
           </a:p>
           <a:p>
             <a:pPr lvl="2"/>
             <a:r>
-              <a:rPr lang="en-US"/>
+              <a:rPr lang="en-US" smtClean="0"/>
               <a:t>Third level</a:t>
             </a:r>
           </a:p>
           <a:p>
             <a:pPr lvl="3"/>
             <a:r>
-              <a:rPr lang="en-US"/>
+              <a:rPr lang="en-US" smtClean="0"/>
               <a:t>Fourth level</a:t>
             </a:r>
           </a:p>
           <a:p>
             <a:pPr lvl="4"/>
             <a:r>
-              <a:rPr lang="en-US"/>
+              <a:rPr lang="en-US" smtClean="0"/>
               <a:t>Fifth level</a:t>
             </a:r>
+            <a:endParaRPr lang="en-US"/>
           </a:p>
         </p:txBody>
       </p:sp>
@@ -1339,7 +1340,7 @@
           <a:p>
             <a:fld id="{A76116CE-C4A3-4A05-B2D7-7C2E9A889C0F}" type="datetimeFigureOut">
               <a:rPr lang="en-US" smtClean="0"/>
-              <a:t>3/12/2023</a:t>
+              <a:t>1/30/2017</a:t>
             </a:fld>
             <a:endParaRPr lang="en-US"/>
           </a:p>
@@ -1432,9 +1433,10 @@
           </a:lstStyle>
           <a:p>
             <a:r>
-              <a:rPr lang="en-US"/>
+              <a:rPr lang="en-US" smtClean="0"/>
               <a:t>Click to edit Master title style</a:t>
             </a:r>
+            <a:endParaRPr lang="en-US"/>
           </a:p>
         </p:txBody>
       </p:sp>
@@ -1497,7 +1499,7 @@
           <a:p>
             <a:pPr lvl="0"/>
             <a:r>
-              <a:rPr lang="en-US"/>
+              <a:rPr lang="en-US" smtClean="0"/>
               <a:t>Click to edit Master text styles</a:t>
             </a:r>
           </a:p>
@@ -1553,37 +1555,38 @@
           <a:p>
             <a:pPr lvl="0"/>
             <a:r>
-              <a:rPr lang="en-US"/>
+              <a:rPr lang="en-US" smtClean="0"/>
               <a:t>Click to edit Master text styles</a:t>
             </a:r>
           </a:p>
           <a:p>
             <a:pPr lvl="1"/>
             <a:r>
-              <a:rPr lang="en-US"/>
+              <a:rPr lang="en-US" smtClean="0"/>
               <a:t>Second level</a:t>
             </a:r>
           </a:p>
           <a:p>
             <a:pPr lvl="2"/>
             <a:r>
-              <a:rPr lang="en-US"/>
+              <a:rPr lang="en-US" smtClean="0"/>
               <a:t>Third level</a:t>
             </a:r>
           </a:p>
           <a:p>
             <a:pPr lvl="3"/>
             <a:r>
-              <a:rPr lang="en-US"/>
+              <a:rPr lang="en-US" smtClean="0"/>
               <a:t>Fourth level</a:t>
             </a:r>
           </a:p>
           <a:p>
             <a:pPr lvl="4"/>
             <a:r>
-              <a:rPr lang="en-US"/>
+              <a:rPr lang="en-US" smtClean="0"/>
               <a:t>Fifth level</a:t>
             </a:r>
+            <a:endParaRPr lang="en-US"/>
           </a:p>
         </p:txBody>
       </p:sp>
@@ -1646,7 +1649,7 @@
           <a:p>
             <a:pPr lvl="0"/>
             <a:r>
-              <a:rPr lang="en-US"/>
+              <a:rPr lang="en-US" smtClean="0"/>
               <a:t>Click to edit Master text styles</a:t>
             </a:r>
           </a:p>
@@ -1702,37 +1705,38 @@
           <a:p>
             <a:pPr lvl="0"/>
             <a:r>
-              <a:rPr lang="en-US"/>
+              <a:rPr lang="en-US" smtClean="0"/>
               <a:t>Click to edit Master text styles</a:t>
             </a:r>
           </a:p>
           <a:p>
             <a:pPr lvl="1"/>
             <a:r>
-              <a:rPr lang="en-US"/>
+              <a:rPr lang="en-US" smtClean="0"/>
               <a:t>Second level</a:t>
             </a:r>
           </a:p>
           <a:p>
             <a:pPr lvl="2"/>
             <a:r>
-              <a:rPr lang="en-US"/>
+              <a:rPr lang="en-US" smtClean="0"/>
               <a:t>Third level</a:t>
             </a:r>
           </a:p>
           <a:p>
             <a:pPr lvl="3"/>
             <a:r>
-              <a:rPr lang="en-US"/>
+              <a:rPr lang="en-US" smtClean="0"/>
               <a:t>Fourth level</a:t>
             </a:r>
           </a:p>
           <a:p>
             <a:pPr lvl="4"/>
             <a:r>
-              <a:rPr lang="en-US"/>
+              <a:rPr lang="en-US" smtClean="0"/>
               <a:t>Fifth level</a:t>
             </a:r>
+            <a:endParaRPr lang="en-US"/>
           </a:p>
         </p:txBody>
       </p:sp>
@@ -1753,7 +1757,7 @@
           <a:p>
             <a:fld id="{A76116CE-C4A3-4A05-B2D7-7C2E9A889C0F}" type="datetimeFigureOut">
               <a:rPr lang="en-US" smtClean="0"/>
-              <a:t>3/12/2023</a:t>
+              <a:t>1/30/2017</a:t>
             </a:fld>
             <a:endParaRPr lang="en-US"/>
           </a:p>
@@ -1842,9 +1846,10 @@
           <a:lstStyle/>
           <a:p>
             <a:r>
-              <a:rPr lang="en-US"/>
+              <a:rPr lang="en-US" smtClean="0"/>
               <a:t>Click to edit Master title style</a:t>
             </a:r>
+            <a:endParaRPr lang="en-US"/>
           </a:p>
         </p:txBody>
       </p:sp>
@@ -1865,7 +1870,7 @@
           <a:p>
             <a:fld id="{A76116CE-C4A3-4A05-B2D7-7C2E9A889C0F}" type="datetimeFigureOut">
               <a:rPr lang="en-US" smtClean="0"/>
-              <a:t>3/12/2023</a:t>
+              <a:t>1/30/2017</a:t>
             </a:fld>
             <a:endParaRPr lang="en-US"/>
           </a:p>
@@ -1955,7 +1960,7 @@
           <a:p>
             <a:fld id="{A76116CE-C4A3-4A05-B2D7-7C2E9A889C0F}" type="datetimeFigureOut">
               <a:rPr lang="en-US" smtClean="0"/>
-              <a:t>3/12/2023</a:t>
+              <a:t>1/30/2017</a:t>
             </a:fld>
             <a:endParaRPr lang="en-US"/>
           </a:p>
@@ -2053,9 +2058,10 @@
           </a:lstStyle>
           <a:p>
             <a:r>
-              <a:rPr lang="en-US"/>
+              <a:rPr lang="en-US" smtClean="0"/>
               <a:t>Click to edit Master title style</a:t>
             </a:r>
+            <a:endParaRPr lang="en-US"/>
           </a:p>
         </p:txBody>
       </p:sp>
@@ -2109,37 +2115,38 @@
           <a:p>
             <a:pPr lvl="0"/>
             <a:r>
-              <a:rPr lang="en-US"/>
+              <a:rPr lang="en-US" smtClean="0"/>
               <a:t>Click to edit Master text styles</a:t>
             </a:r>
           </a:p>
           <a:p>
             <a:pPr lvl="1"/>
             <a:r>
-              <a:rPr lang="en-US"/>
+              <a:rPr lang="en-US" smtClean="0"/>
               <a:t>Second level</a:t>
             </a:r>
           </a:p>
           <a:p>
             <a:pPr lvl="2"/>
             <a:r>
-              <a:rPr lang="en-US"/>
+              <a:rPr lang="en-US" smtClean="0"/>
               <a:t>Third level</a:t>
             </a:r>
           </a:p>
           <a:p>
             <a:pPr lvl="3"/>
             <a:r>
-              <a:rPr lang="en-US"/>
+              <a:rPr lang="en-US" smtClean="0"/>
               <a:t>Fourth level</a:t>
             </a:r>
           </a:p>
           <a:p>
             <a:pPr lvl="4"/>
             <a:r>
-              <a:rPr lang="en-US"/>
+              <a:rPr lang="en-US" smtClean="0"/>
               <a:t>Fifth level</a:t>
             </a:r>
+            <a:endParaRPr lang="en-US"/>
           </a:p>
         </p:txBody>
       </p:sp>
@@ -2202,7 +2209,7 @@
           <a:p>
             <a:pPr lvl="0"/>
             <a:r>
-              <a:rPr lang="en-US"/>
+              <a:rPr lang="en-US" smtClean="0"/>
               <a:t>Click to edit Master text styles</a:t>
             </a:r>
           </a:p>
@@ -2225,7 +2232,7 @@
           <a:p>
             <a:fld id="{A76116CE-C4A3-4A05-B2D7-7C2E9A889C0F}" type="datetimeFigureOut">
               <a:rPr lang="en-US" smtClean="0"/>
-              <a:t>3/12/2023</a:t>
+              <a:t>1/30/2017</a:t>
             </a:fld>
             <a:endParaRPr lang="en-US"/>
           </a:p>
@@ -2323,9 +2330,10 @@
           </a:lstStyle>
           <a:p>
             <a:r>
-              <a:rPr lang="en-US"/>
+              <a:rPr lang="en-US" smtClean="0"/>
               <a:t>Click to edit Master title style</a:t>
             </a:r>
+            <a:endParaRPr lang="en-US"/>
           </a:p>
         </p:txBody>
       </p:sp>
@@ -2449,7 +2457,7 @@
           <a:p>
             <a:pPr lvl="0"/>
             <a:r>
-              <a:rPr lang="en-US"/>
+              <a:rPr lang="en-US" smtClean="0"/>
               <a:t>Click to edit Master text styles</a:t>
             </a:r>
           </a:p>
@@ -2472,7 +2480,7 @@
           <a:p>
             <a:fld id="{A76116CE-C4A3-4A05-B2D7-7C2E9A889C0F}" type="datetimeFigureOut">
               <a:rPr lang="en-US" smtClean="0"/>
-              <a:t>3/12/2023</a:t>
+              <a:t>1/30/2017</a:t>
             </a:fld>
             <a:endParaRPr lang="en-US"/>
           </a:p>
@@ -2576,9 +2584,10 @@
           <a:lstStyle/>
           <a:p>
             <a:r>
-              <a:rPr lang="en-US"/>
+              <a:rPr lang="en-US" smtClean="0"/>
               <a:t>Click to edit Master title style</a:t>
             </a:r>
+            <a:endParaRPr lang="en-US"/>
           </a:p>
         </p:txBody>
       </p:sp>
@@ -2609,37 +2618,38 @@
           <a:p>
             <a:pPr lvl="0"/>
             <a:r>
-              <a:rPr lang="en-US"/>
+              <a:rPr lang="en-US" smtClean="0"/>
               <a:t>Click to edit Master text styles</a:t>
             </a:r>
           </a:p>
           <a:p>
             <a:pPr lvl="1"/>
             <a:r>
-              <a:rPr lang="en-US"/>
+              <a:rPr lang="en-US" smtClean="0"/>
               <a:t>Second level</a:t>
             </a:r>
           </a:p>
           <a:p>
             <a:pPr lvl="2"/>
             <a:r>
-              <a:rPr lang="en-US"/>
+              <a:rPr lang="en-US" smtClean="0"/>
               <a:t>Third level</a:t>
             </a:r>
           </a:p>
           <a:p>
             <a:pPr lvl="3"/>
             <a:r>
-              <a:rPr lang="en-US"/>
+              <a:rPr lang="en-US" smtClean="0"/>
               <a:t>Fourth level</a:t>
             </a:r>
           </a:p>
           <a:p>
             <a:pPr lvl="4"/>
             <a:r>
-              <a:rPr lang="en-US"/>
+              <a:rPr lang="en-US" smtClean="0"/>
               <a:t>Fifth level</a:t>
             </a:r>
+            <a:endParaRPr lang="en-US"/>
           </a:p>
         </p:txBody>
       </p:sp>
@@ -2678,7 +2688,7 @@
           <a:p>
             <a:fld id="{F8166F1F-CE9B-4651-A6AA-CD717754106B}" type="datetimeFigureOut">
               <a:rPr lang="en-US" smtClean="0"/>
-              <a:t>3/12/2023</a:t>
+              <a:t>6/13/2013</a:t>
             </a:fld>
             <a:endParaRPr lang="en-US"/>
           </a:p>
@@ -2756,7 +2766,7 @@
           <a:p>
             <a:fld id="{F7021451-1387-4CA6-816F-3879F97B5CBC}" type="slidenum">
               <a:rPr lang="en-US" smtClean="0"/>
-              <a:t>‹#›</a:t>
+              <a:t>�#�</a:t>
             </a:fld>
             <a:endParaRPr lang="en-US"/>
           </a:p>
@@ -2767,16 +2777,16 @@
   <p:clrMap bg1="lt1" tx1="dk1" bg2="lt2" tx2="dk2" accent1="accent1" accent2="accent2" accent3="accent3" accent4="accent4" accent5="accent5" accent6="accent6" hlink="hlink" folHlink="folHlink"/>
   <p:sldLayoutIdLst>
     <p:sldLayoutId id="2147483649" r:id="rId1"/>
-    <p:sldLayoutId id="2147483650" r:id="rId2"/>
-    <p:sldLayoutId id="2147483651" r:id="rId3"/>
-    <p:sldLayoutId id="2147483652" r:id="rId4"/>
-    <p:sldLayoutId id="2147483653" r:id="rId5"/>
-    <p:sldLayoutId id="2147483654" r:id="rId6"/>
-    <p:sldLayoutId id="2147483655" r:id="rId7"/>
-    <p:sldLayoutId id="2147483656" r:id="rId8"/>
-    <p:sldLayoutId id="2147483657" r:id="rId9"/>
-    <p:sldLayoutId id="2147483658" r:id="rId10"/>
-    <p:sldLayoutId id="2147483659" r:id="rId11"/>
+    <p:sldLayoutId id="2147483650" r:id="rId3"/>
+    <p:sldLayoutId id="2147483651" r:id="rId4"/>
+    <p:sldLayoutId id="2147483652" r:id="rId5"/>
+    <p:sldLayoutId id="2147483653" r:id="rId6"/>
+    <p:sldLayoutId id="2147483654" r:id="rId7"/>
+    <p:sldLayoutId id="2147483655" r:id="rId8"/>
+    <p:sldLayoutId id="2147483656" r:id="rId9"/>
+    <p:sldLayoutId id="2147483657" r:id="rId10"/>
+    <p:sldLayoutId id="2147483658" r:id="rId11"/>
+    <p:sldLayoutId id="2147483659" r:id="rId12"/>
   </p:sldLayoutIdLst>
   <p:txStyles>
     <p:titleStyle>
@@ -4071,8 +4081,8 @@
         </p:blipFill>
         <p:spPr>
           <a:xfrm>
-            <a:off x="770895" y="1596308"/>
-            <a:ext cx="4053997" cy="1376778"/>
+            <a:off x="709119" y="1036212"/>
+            <a:ext cx="5524483" cy="2283769"/>
           </a:xfrm>
           <a:prstGeom prst="rect">
             <a:avLst/>
@@ -4103,6 +4113,102 @@
           </a:prstGeom>
         </p:spPr>
       </p:pic>
+      <p:pic>
+        <p:nvPicPr>
+          <p:cNvPr id="15" name="Object 14"/>
+          <p:cNvPicPr>
+            <a:picLocks noChangeAspect="1"/>
+          </p:cNvPicPr>
+          <p:nvPr/>
+        </p:nvPicPr>
+        <p:blipFill>
+          <a:blip r:embed="rId9" cstate="print"/>
+          <a:stretch>
+            <a:fillRect/>
+          </a:stretch>
+        </p:blipFill>
+        <p:spPr>
+          <a:xfrm>
+            <a:off x="814413" y="5437851"/>
+            <a:ext cx="5188788" cy="2949235"/>
+          </a:xfrm>
+          <a:prstGeom prst="rect">
+            <a:avLst/>
+          </a:prstGeom>
+        </p:spPr>
+      </p:pic>
+      <p:pic>
+        <p:nvPicPr>
+          <p:cNvPr id="16" name="Object 15"/>
+          <p:cNvPicPr>
+            <a:picLocks noChangeAspect="1"/>
+          </p:cNvPicPr>
+          <p:nvPr/>
+        </p:nvPicPr>
+        <p:blipFill>
+          <a:blip r:embed="rId10" cstate="print"/>
+          <a:stretch>
+            <a:fillRect/>
+          </a:stretch>
+        </p:blipFill>
+        <p:spPr>
+          <a:xfrm>
+            <a:off x="1165611" y="-490079"/>
+            <a:ext cx="21316705" cy="7243043"/>
+          </a:xfrm>
+          <a:prstGeom prst="rect">
+            <a:avLst/>
+          </a:prstGeom>
+        </p:spPr>
+      </p:pic>
+      <p:pic>
+        <p:nvPicPr>
+          <p:cNvPr id="17" name="Object 16"/>
+          <p:cNvPicPr>
+            <a:picLocks noChangeAspect="1"/>
+          </p:cNvPicPr>
+          <p:nvPr/>
+        </p:nvPicPr>
+        <p:blipFill>
+          <a:blip r:embed="rId11" cstate="print"/>
+          <a:stretch>
+            <a:fillRect/>
+          </a:stretch>
+        </p:blipFill>
+        <p:spPr>
+          <a:xfrm>
+            <a:off x="1165611" y="3562980"/>
+            <a:ext cx="21316705" cy="7228200"/>
+          </a:xfrm>
+          <a:prstGeom prst="rect">
+            <a:avLst/>
+          </a:prstGeom>
+        </p:spPr>
+      </p:pic>
+      <p:pic>
+        <p:nvPicPr>
+          <p:cNvPr id="18" name="Object 17"/>
+          <p:cNvPicPr>
+            <a:picLocks noChangeAspect="1"/>
+          </p:cNvPicPr>
+          <p:nvPr/>
+        </p:nvPicPr>
+        <p:blipFill>
+          <a:blip r:embed="rId12" cstate="print"/>
+          <a:stretch>
+            <a:fillRect/>
+          </a:stretch>
+        </p:blipFill>
+        <p:spPr>
+          <a:xfrm>
+            <a:off x="15244286" y="9688572"/>
+            <a:ext cx="1772207" cy="260569"/>
+          </a:xfrm>
+          <a:prstGeom prst="rect">
+            <a:avLst/>
+          </a:prstGeom>
+        </p:spPr>
+      </p:pic>
       <p:grpSp>
         <p:nvGrpSpPr>
           <p:cNvPr id="1004" name="그룹 1004"/>
@@ -4111,36 +4217,12 @@
         </p:nvGrpSpPr>
         <p:grpSpPr>
           <a:xfrm>
-            <a:off x="919171" y="3131442"/>
-            <a:ext cx="5095112" cy="6149534"/>
-            <a:chOff x="919171" y="3131442"/>
-            <a:chExt cx="5095112" cy="6149534"/>
+            <a:off x="2556162" y="3131442"/>
+            <a:ext cx="1743030" cy="1726703"/>
+            <a:chOff x="2556162" y="3131442"/>
+            <a:chExt cx="1743030" cy="1726703"/>
           </a:xfrm>
         </p:grpSpPr>
-        <p:pic>
-          <p:nvPicPr>
-            <p:cNvPr id="16" name="Object 15"/>
-            <p:cNvPicPr>
-              <a:picLocks noChangeAspect="1"/>
-            </p:cNvPicPr>
-            <p:nvPr/>
-          </p:nvPicPr>
-          <p:blipFill>
-            <a:blip r:embed="rId9" cstate="print"/>
-            <a:stretch>
-              <a:fillRect/>
-            </a:stretch>
-          </p:blipFill>
-          <p:spPr>
-            <a:xfrm>
-              <a:off x="814413" y="5437851"/>
-              <a:ext cx="5270017" cy="3912083"/>
-            </a:xfrm>
-            <a:prstGeom prst="rect">
-              <a:avLst/>
-            </a:prstGeom>
-          </p:spPr>
-        </p:pic>
         <p:grpSp>
           <p:nvGrpSpPr>
             <p:cNvPr id="1005" name="그룹 1005"/>
@@ -4149,30 +4231,30 @@
           </p:nvGrpSpPr>
           <p:grpSpPr>
             <a:xfrm>
-              <a:off x="2038574" y="3131442"/>
-              <a:ext cx="2856438" cy="1896291"/>
-              <a:chOff x="2038574" y="3131442"/>
-              <a:chExt cx="2856438" cy="1896291"/>
+              <a:off x="2572488" y="3131442"/>
+              <a:ext cx="1726703" cy="1726703"/>
+              <a:chOff x="2572488" y="3131442"/>
+              <a:chExt cx="1726703" cy="1726703"/>
             </a:xfrm>
           </p:grpSpPr>
           <p:pic>
             <p:nvPicPr>
-              <p:cNvPr id="18" name="Object 17"/>
+              <p:cNvPr id="21" name="Object 20"/>
               <p:cNvPicPr>
                 <a:picLocks noChangeAspect="1"/>
               </p:cNvPicPr>
               <p:nvPr/>
             </p:nvPicPr>
             <p:blipFill>
-              <a:blip r:embed="rId10" cstate="print"/>
+              <a:blip r:embed="rId13" cstate="print"/>
               <a:stretch>
                 <a:fillRect/>
               </a:stretch>
             </p:blipFill>
             <p:spPr>
               <a:xfrm>
-                <a:off x="2038574" y="3131442"/>
-                <a:ext cx="2856438" cy="1896291"/>
+                <a:off x="2572488" y="3131442"/>
+                <a:ext cx="1726703" cy="1726703"/>
               </a:xfrm>
               <a:prstGeom prst="rect">
                 <a:avLst/>
@@ -4180,79 +4262,31 @@
             </p:spPr>
           </p:pic>
         </p:grpSp>
+        <p:pic>
+          <p:nvPicPr>
+            <p:cNvPr id="23" name="Object 22"/>
+            <p:cNvPicPr>
+              <a:picLocks noChangeAspect="1"/>
+            </p:cNvPicPr>
+            <p:nvPr/>
+          </p:nvPicPr>
+          <p:blipFill>
+            <a:blip r:embed="rId14" cstate="print"/>
+            <a:stretch>
+              <a:fillRect/>
+            </a:stretch>
+          </p:blipFill>
+          <p:spPr>
+            <a:xfrm>
+              <a:off x="2460926" y="3109557"/>
+              <a:ext cx="1949657" cy="1853933"/>
+            </a:xfrm>
+            <a:prstGeom prst="rect">
+              <a:avLst/>
+            </a:prstGeom>
+          </p:spPr>
+        </p:pic>
       </p:grpSp>
-      <p:pic>
-        <p:nvPicPr>
-          <p:cNvPr id="21" name="Object 20"/>
-          <p:cNvPicPr>
-            <a:picLocks noChangeAspect="1"/>
-          </p:cNvPicPr>
-          <p:nvPr/>
-        </p:nvPicPr>
-        <p:blipFill>
-          <a:blip r:embed="rId11" cstate="print"/>
-          <a:stretch>
-            <a:fillRect/>
-          </a:stretch>
-        </p:blipFill>
-        <p:spPr>
-          <a:xfrm>
-            <a:off x="1165611" y="-490079"/>
-            <a:ext cx="21316705" cy="7243043"/>
-          </a:xfrm>
-          <a:prstGeom prst="rect">
-            <a:avLst/>
-          </a:prstGeom>
-        </p:spPr>
-      </p:pic>
-      <p:pic>
-        <p:nvPicPr>
-          <p:cNvPr id="22" name="Object 21"/>
-          <p:cNvPicPr>
-            <a:picLocks noChangeAspect="1"/>
-          </p:cNvPicPr>
-          <p:nvPr/>
-        </p:nvPicPr>
-        <p:blipFill>
-          <a:blip r:embed="rId12" cstate="print"/>
-          <a:stretch>
-            <a:fillRect/>
-          </a:stretch>
-        </p:blipFill>
-        <p:spPr>
-          <a:xfrm>
-            <a:off x="1165611" y="3562980"/>
-            <a:ext cx="21316705" cy="7228200"/>
-          </a:xfrm>
-          <a:prstGeom prst="rect">
-            <a:avLst/>
-          </a:prstGeom>
-        </p:spPr>
-      </p:pic>
-      <p:pic>
-        <p:nvPicPr>
-          <p:cNvPr id="23" name="Object 22"/>
-          <p:cNvPicPr>
-            <a:picLocks noChangeAspect="1"/>
-          </p:cNvPicPr>
-          <p:nvPr/>
-        </p:nvPicPr>
-        <p:blipFill>
-          <a:blip r:embed="rId13" cstate="print"/>
-          <a:stretch>
-            <a:fillRect/>
-          </a:stretch>
-        </p:blipFill>
-        <p:spPr>
-          <a:xfrm>
-            <a:off x="15244286" y="9688572"/>
-            <a:ext cx="1772207" cy="260569"/>
-          </a:xfrm>
-          <a:prstGeom prst="rect">
-            <a:avLst/>
-          </a:prstGeom>
-        </p:spPr>
-      </p:pic>
     </p:spTree>
   </p:cSld>
   <p:clrMapOvr>
@@ -4476,8 +4510,8 @@
         </p:blipFill>
         <p:spPr>
           <a:xfrm>
-            <a:off x="7105827" y="1156232"/>
-            <a:ext cx="8513775" cy="8065994"/>
+            <a:off x="7105830" y="1156230"/>
+            <a:ext cx="8514233" cy="7628909"/>
           </a:xfrm>
           <a:prstGeom prst="rect">
             <a:avLst/>
@@ -5653,54 +5687,15 @@
         </p:nvGrpSpPr>
         <p:grpSpPr>
           <a:xfrm>
-            <a:off x="7552791" y="8520888"/>
-            <a:ext cx="3938184" cy="545702"/>
-            <a:chOff x="7552791" y="8520888"/>
-            <a:chExt cx="3938184" cy="545702"/>
+            <a:off x="7544541" y="8623042"/>
+            <a:ext cx="423025" cy="406526"/>
+            <a:chOff x="7544541" y="8623042"/>
+            <a:chExt cx="423025" cy="406526"/>
           </a:xfrm>
         </p:grpSpPr>
-        <p:grpSp>
-          <p:nvGrpSpPr>
-            <p:cNvPr id="1008" name="그룹 1008"/>
-            <p:cNvGrpSpPr/>
-            <p:nvPr/>
-          </p:nvGrpSpPr>
-          <p:grpSpPr>
-            <a:xfrm>
-              <a:off x="7544541" y="8623042"/>
-              <a:ext cx="423025" cy="406526"/>
-              <a:chOff x="7544541" y="8623042"/>
-              <a:chExt cx="423025" cy="406526"/>
-            </a:xfrm>
-          </p:grpSpPr>
-          <p:pic>
-            <p:nvPicPr>
-              <p:cNvPr id="28" name="Object 27"/>
-              <p:cNvPicPr>
-                <a:picLocks noChangeAspect="1"/>
-              </p:cNvPicPr>
-              <p:nvPr/>
-            </p:nvPicPr>
-            <p:blipFill>
-              <a:blip r:embed="rId10" cstate="print"/>
-              <a:stretch>
-                <a:fillRect/>
-              </a:stretch>
-            </p:blipFill>
-            <p:spPr>
-              <a:xfrm rot="5400000">
-                <a:off x="7544541" y="8623042"/>
-                <a:ext cx="423025" cy="406526"/>
-              </a:xfrm>
-              <a:prstGeom prst="rect">
-                <a:avLst/>
-              </a:prstGeom>
-            </p:spPr>
-          </p:pic>
-        </p:grpSp>
         <p:pic>
           <p:nvPicPr>
-            <p:cNvPr id="30" name="Object 29"/>
+            <p:cNvPr id="27" name="Object 26"/>
             <p:cNvPicPr>
               <a:picLocks noChangeAspect="1"/>
             </p:cNvPicPr>
@@ -5713,9 +5708,9 @@
             </a:stretch>
           </p:blipFill>
           <p:spPr>
-            <a:xfrm>
-              <a:off x="7940923" y="8461842"/>
-              <a:ext cx="1286880" cy="781890"/>
+            <a:xfrm rot="5400000">
+              <a:off x="7544541" y="8623042"/>
+              <a:ext cx="423025" cy="406526"/>
             </a:xfrm>
             <a:prstGeom prst="rect">
               <a:avLst/>
@@ -5723,9 +5718,33 @@
           </p:spPr>
         </p:pic>
       </p:grpSp>
+      <p:pic>
+        <p:nvPicPr>
+          <p:cNvPr id="29" name="Object 28"/>
+          <p:cNvPicPr>
+            <a:picLocks noChangeAspect="1"/>
+          </p:cNvPicPr>
+          <p:nvPr/>
+        </p:nvPicPr>
+        <p:blipFill>
+          <a:blip r:embed="rId15" cstate="print"/>
+          <a:stretch>
+            <a:fillRect/>
+          </a:stretch>
+        </p:blipFill>
+        <p:spPr>
+          <a:xfrm>
+            <a:off x="7940925" y="8461839"/>
+            <a:ext cx="3909642" cy="696461"/>
+          </a:xfrm>
+          <a:prstGeom prst="rect">
+            <a:avLst/>
+          </a:prstGeom>
+        </p:spPr>
+      </p:pic>
       <p:grpSp>
         <p:nvGrpSpPr>
-          <p:cNvPr id="1009" name="그룹 1009"/>
+          <p:cNvPr id="1008" name="그룹 1008"/>
           <p:cNvGrpSpPr/>
           <p:nvPr/>
         </p:nvGrpSpPr>
@@ -5739,7 +5758,7 @@
         </p:grpSpPr>
         <p:grpSp>
           <p:nvGrpSpPr>
-            <p:cNvPr id="1010" name="그룹 1010"/>
+            <p:cNvPr id="1009" name="그룹 1009"/>
             <p:cNvGrpSpPr/>
             <p:nvPr/>
           </p:nvGrpSpPr>
@@ -5753,14 +5772,14 @@
           </p:grpSpPr>
           <p:pic>
             <p:nvPicPr>
-              <p:cNvPr id="34" name="Object 33"/>
+              <p:cNvPr id="32" name="Object 31"/>
               <p:cNvPicPr>
                 <a:picLocks noChangeAspect="1"/>
               </p:cNvPicPr>
               <p:nvPr/>
             </p:nvPicPr>
             <p:blipFill>
-              <a:blip r:embed="rId10" cstate="print"/>
+              <a:blip r:embed="rId16" cstate="print"/>
               <a:stretch>
                 <a:fillRect/>
               </a:stretch>
@@ -5778,14 +5797,14 @@
         </p:grpSp>
         <p:pic>
           <p:nvPicPr>
-            <p:cNvPr id="36" name="Object 35"/>
+            <p:cNvPr id="34" name="Object 33"/>
             <p:cNvPicPr>
               <a:picLocks noChangeAspect="1"/>
             </p:cNvPicPr>
             <p:nvPr/>
           </p:nvPicPr>
           <p:blipFill>
-            <a:blip r:embed="rId15" cstate="print"/>
+            <a:blip r:embed="rId17" cstate="print"/>
             <a:stretch>
               <a:fillRect/>
             </a:stretch>
@@ -5803,49 +5822,49 @@
       </p:grpSp>
       <p:grpSp>
         <p:nvGrpSpPr>
-          <p:cNvPr id="1011" name="그룹 1011"/>
+          <p:cNvPr id="1010" name="그룹 1010"/>
           <p:cNvGrpSpPr/>
           <p:nvPr/>
         </p:nvGrpSpPr>
         <p:grpSpPr>
           <a:xfrm>
-            <a:off x="12086672" y="4154844"/>
-            <a:ext cx="3938186" cy="545702"/>
-            <a:chOff x="12086672" y="4154844"/>
-            <a:chExt cx="3938186" cy="545702"/>
+            <a:off x="12086669" y="8490983"/>
+            <a:ext cx="3938166" cy="545702"/>
+            <a:chOff x="12086669" y="8490983"/>
+            <a:chExt cx="3938166" cy="545702"/>
           </a:xfrm>
         </p:grpSpPr>
         <p:grpSp>
           <p:nvGrpSpPr>
-            <p:cNvPr id="1012" name="그룹 1012"/>
+            <p:cNvPr id="1011" name="그룹 1011"/>
             <p:cNvGrpSpPr/>
             <p:nvPr/>
           </p:nvGrpSpPr>
           <p:grpSpPr>
             <a:xfrm>
-              <a:off x="12078423" y="4256996"/>
+              <a:off x="12078419" y="8593137"/>
               <a:ext cx="423025" cy="406526"/>
-              <a:chOff x="12078423" y="4256996"/>
+              <a:chOff x="12078419" y="8593137"/>
               <a:chExt cx="423025" cy="406526"/>
             </a:xfrm>
           </p:grpSpPr>
           <p:pic>
             <p:nvPicPr>
-              <p:cNvPr id="40" name="Object 39"/>
+              <p:cNvPr id="38" name="Object 37"/>
               <p:cNvPicPr>
                 <a:picLocks noChangeAspect="1"/>
               </p:cNvPicPr>
               <p:nvPr/>
             </p:nvPicPr>
             <p:blipFill>
-              <a:blip r:embed="rId10" cstate="print"/>
+              <a:blip r:embed="rId18" cstate="print"/>
               <a:stretch>
                 <a:fillRect/>
               </a:stretch>
             </p:blipFill>
             <p:spPr>
               <a:xfrm rot="5400000">
-                <a:off x="12078423" y="4256996"/>
+                <a:off x="12078419" y="8593137"/>
                 <a:ext cx="423025" cy="406526"/>
               </a:xfrm>
               <a:prstGeom prst="rect">
@@ -5856,241 +5875,7 @@
         </p:grpSp>
         <p:pic>
           <p:nvPicPr>
-            <p:cNvPr id="42" name="Object 41"/>
-            <p:cNvPicPr>
-              <a:picLocks noChangeAspect="1"/>
-            </p:cNvPicPr>
-            <p:nvPr/>
-          </p:nvPicPr>
-          <p:blipFill>
-            <a:blip r:embed="rId16" cstate="print"/>
-            <a:stretch>
-              <a:fillRect/>
-            </a:stretch>
-          </p:blipFill>
-          <p:spPr>
-            <a:xfrm>
-              <a:off x="12474807" y="4095797"/>
-              <a:ext cx="691252" cy="781890"/>
-            </a:xfrm>
-            <a:prstGeom prst="rect">
-              <a:avLst/>
-            </a:prstGeom>
-          </p:spPr>
-        </p:pic>
-      </p:grpSp>
-      <p:grpSp>
-        <p:nvGrpSpPr>
-          <p:cNvPr id="1013" name="그룹 1013"/>
-          <p:cNvGrpSpPr/>
-          <p:nvPr/>
-        </p:nvGrpSpPr>
-        <p:grpSpPr>
-          <a:xfrm>
-            <a:off x="12086668" y="6582091"/>
-            <a:ext cx="3938191" cy="545702"/>
-            <a:chOff x="12086668" y="6582091"/>
-            <a:chExt cx="3938191" cy="545702"/>
-          </a:xfrm>
-        </p:grpSpPr>
-        <p:grpSp>
-          <p:nvGrpSpPr>
-            <p:cNvPr id="1014" name="그룹 1014"/>
-            <p:cNvGrpSpPr/>
-            <p:nvPr/>
-          </p:nvGrpSpPr>
-          <p:grpSpPr>
-            <a:xfrm>
-              <a:off x="12078418" y="6684241"/>
-              <a:ext cx="423025" cy="406526"/>
-              <a:chOff x="12078418" y="6684241"/>
-              <a:chExt cx="423025" cy="406526"/>
-            </a:xfrm>
-          </p:grpSpPr>
-          <p:pic>
-            <p:nvPicPr>
-              <p:cNvPr id="46" name="Object 45"/>
-              <p:cNvPicPr>
-                <a:picLocks noChangeAspect="1"/>
-              </p:cNvPicPr>
-              <p:nvPr/>
-            </p:nvPicPr>
-            <p:blipFill>
-              <a:blip r:embed="rId10" cstate="print"/>
-              <a:stretch>
-                <a:fillRect/>
-              </a:stretch>
-            </p:blipFill>
-            <p:spPr>
-              <a:xfrm rot="5400000">
-                <a:off x="12078418" y="6684241"/>
-                <a:ext cx="423025" cy="406526"/>
-              </a:xfrm>
-              <a:prstGeom prst="rect">
-                <a:avLst/>
-              </a:prstGeom>
-            </p:spPr>
-          </p:pic>
-        </p:grpSp>
-        <p:pic>
-          <p:nvPicPr>
-            <p:cNvPr id="48" name="Object 47"/>
-            <p:cNvPicPr>
-              <a:picLocks noChangeAspect="1"/>
-            </p:cNvPicPr>
-            <p:nvPr/>
-          </p:nvPicPr>
-          <p:blipFill>
-            <a:blip r:embed="rId17" cstate="print"/>
-            <a:stretch>
-              <a:fillRect/>
-            </a:stretch>
-          </p:blipFill>
-          <p:spPr>
-            <a:xfrm>
-              <a:off x="12474807" y="6523044"/>
-              <a:ext cx="1658576" cy="696537"/>
-            </a:xfrm>
-            <a:prstGeom prst="rect">
-              <a:avLst/>
-            </a:prstGeom>
-          </p:spPr>
-        </p:pic>
-      </p:grpSp>
-      <p:grpSp>
-        <p:nvGrpSpPr>
-          <p:cNvPr id="1015" name="그룹 1015"/>
-          <p:cNvGrpSpPr/>
-          <p:nvPr/>
-        </p:nvGrpSpPr>
-        <p:grpSpPr>
-          <a:xfrm>
-            <a:off x="12086693" y="8520888"/>
-            <a:ext cx="3938166" cy="545702"/>
-            <a:chOff x="12086693" y="8520888"/>
-            <a:chExt cx="3938166" cy="545702"/>
-          </a:xfrm>
-        </p:grpSpPr>
-        <p:grpSp>
-          <p:nvGrpSpPr>
-            <p:cNvPr id="1016" name="그룹 1016"/>
-            <p:cNvGrpSpPr/>
-            <p:nvPr/>
-          </p:nvGrpSpPr>
-          <p:grpSpPr>
-            <a:xfrm>
-              <a:off x="12078443" y="8623042"/>
-              <a:ext cx="423025" cy="406526"/>
-              <a:chOff x="12078443" y="8623042"/>
-              <a:chExt cx="423025" cy="406526"/>
-            </a:xfrm>
-          </p:grpSpPr>
-          <p:pic>
-            <p:nvPicPr>
-              <p:cNvPr id="52" name="Object 51"/>
-              <p:cNvPicPr>
-                <a:picLocks noChangeAspect="1"/>
-              </p:cNvPicPr>
-              <p:nvPr/>
-            </p:nvPicPr>
-            <p:blipFill>
-              <a:blip r:embed="rId10" cstate="print"/>
-              <a:stretch>
-                <a:fillRect/>
-              </a:stretch>
-            </p:blipFill>
-            <p:spPr>
-              <a:xfrm rot="5400000">
-                <a:off x="12078443" y="8623042"/>
-                <a:ext cx="423025" cy="406526"/>
-              </a:xfrm>
-              <a:prstGeom prst="rect">
-                <a:avLst/>
-              </a:prstGeom>
-            </p:spPr>
-          </p:pic>
-        </p:grpSp>
-        <p:pic>
-          <p:nvPicPr>
-            <p:cNvPr id="54" name="Object 53"/>
-            <p:cNvPicPr>
-              <a:picLocks noChangeAspect="1"/>
-            </p:cNvPicPr>
-            <p:nvPr/>
-          </p:nvPicPr>
-          <p:blipFill>
-            <a:blip r:embed="rId18" cstate="print"/>
-            <a:stretch>
-              <a:fillRect/>
-            </a:stretch>
-          </p:blipFill>
-          <p:spPr>
-            <a:xfrm>
-              <a:off x="12474807" y="8461842"/>
-              <a:ext cx="1756795" cy="696537"/>
-            </a:xfrm>
-            <a:prstGeom prst="rect">
-              <a:avLst/>
-            </a:prstGeom>
-          </p:spPr>
-        </p:pic>
-      </p:grpSp>
-      <p:grpSp>
-        <p:nvGrpSpPr>
-          <p:cNvPr id="1017" name="그룹 1017"/>
-          <p:cNvGrpSpPr/>
-          <p:nvPr/>
-        </p:nvGrpSpPr>
-        <p:grpSpPr>
-          <a:xfrm>
-            <a:off x="7552791" y="4266962"/>
-            <a:ext cx="3957226" cy="1751791"/>
-            <a:chOff x="7552791" y="4266962"/>
-            <a:chExt cx="3957226" cy="1751791"/>
-          </a:xfrm>
-        </p:grpSpPr>
-        <p:grpSp>
-          <p:nvGrpSpPr>
-            <p:cNvPr id="1018" name="그룹 1018"/>
-            <p:cNvGrpSpPr/>
-            <p:nvPr/>
-          </p:nvGrpSpPr>
-          <p:grpSpPr>
-            <a:xfrm>
-              <a:off x="7544541" y="4367271"/>
-              <a:ext cx="423025" cy="406526"/>
-              <a:chOff x="7544541" y="4367271"/>
-              <a:chExt cx="423025" cy="406526"/>
-            </a:xfrm>
-          </p:grpSpPr>
-          <p:pic>
-            <p:nvPicPr>
-              <p:cNvPr id="58" name="Object 57"/>
-              <p:cNvPicPr>
-                <a:picLocks noChangeAspect="1"/>
-              </p:cNvPicPr>
-              <p:nvPr/>
-            </p:nvPicPr>
-            <p:blipFill>
-              <a:blip r:embed="rId10" cstate="print"/>
-              <a:stretch>
-                <a:fillRect/>
-              </a:stretch>
-            </p:blipFill>
-            <p:spPr>
-              <a:xfrm rot="5400000">
-                <a:off x="7544541" y="4367271"/>
-                <a:ext cx="423025" cy="406526"/>
-              </a:xfrm>
-              <a:prstGeom prst="rect">
-                <a:avLst/>
-              </a:prstGeom>
-            </p:spPr>
-          </p:pic>
-        </p:grpSp>
-        <p:pic>
-          <p:nvPicPr>
-            <p:cNvPr id="60" name="Object 59"/>
+            <p:cNvPr id="40" name="Object 39"/>
             <p:cNvPicPr>
               <a:picLocks noChangeAspect="1"/>
             </p:cNvPicPr>
@@ -6104,32 +5889,8 @@
           </p:blipFill>
           <p:spPr>
             <a:xfrm>
-              <a:off x="7940916" y="4207916"/>
-              <a:ext cx="1336823" cy="696537"/>
-            </a:xfrm>
-            <a:prstGeom prst="rect">
-              <a:avLst/>
-            </a:prstGeom>
-          </p:spPr>
-        </p:pic>
-        <p:pic>
-          <p:nvPicPr>
-            <p:cNvPr id="61" name="Object 60"/>
-            <p:cNvPicPr>
-              <a:picLocks noChangeAspect="1"/>
-            </p:cNvPicPr>
-            <p:nvPr/>
-          </p:nvPicPr>
-          <p:blipFill>
-            <a:blip r:embed="rId20" cstate="print"/>
-            <a:stretch>
-              <a:fillRect/>
-            </a:stretch>
-          </p:blipFill>
-          <p:spPr>
-            <a:xfrm>
-              <a:off x="7982823" y="4851639"/>
-              <a:ext cx="2945244" cy="1275682"/>
+              <a:off x="12474783" y="8431937"/>
+              <a:ext cx="1756795" cy="696537"/>
             </a:xfrm>
             <a:prstGeom prst="rect">
               <a:avLst/>
@@ -6139,49 +5900,49 @@
       </p:grpSp>
       <p:grpSp>
         <p:nvGrpSpPr>
-          <p:cNvPr id="1019" name="그룹 1019"/>
+          <p:cNvPr id="1012" name="그룹 1012"/>
           <p:cNvGrpSpPr/>
           <p:nvPr/>
         </p:nvGrpSpPr>
         <p:grpSpPr>
           <a:xfrm>
-            <a:off x="7552791" y="2283009"/>
-            <a:ext cx="3957233" cy="1359738"/>
-            <a:chOff x="7552791" y="2283009"/>
-            <a:chExt cx="3957233" cy="1359738"/>
+            <a:off x="7552791" y="4154844"/>
+            <a:ext cx="3938182" cy="545702"/>
+            <a:chOff x="7552791" y="4154844"/>
+            <a:chExt cx="3938182" cy="545702"/>
           </a:xfrm>
         </p:grpSpPr>
         <p:grpSp>
           <p:nvGrpSpPr>
-            <p:cNvPr id="1020" name="그룹 1020"/>
+            <p:cNvPr id="1013" name="그룹 1013"/>
             <p:cNvGrpSpPr/>
             <p:nvPr/>
           </p:nvGrpSpPr>
           <p:grpSpPr>
             <a:xfrm>
-              <a:off x="7544541" y="2383316"/>
+              <a:off x="7544541" y="4255151"/>
               <a:ext cx="423025" cy="406526"/>
-              <a:chOff x="7544541" y="2383316"/>
+              <a:chOff x="7544541" y="4255151"/>
               <a:chExt cx="423025" cy="406526"/>
             </a:xfrm>
           </p:grpSpPr>
           <p:pic>
             <p:nvPicPr>
-              <p:cNvPr id="65" name="Object 64"/>
+              <p:cNvPr id="44" name="Object 43"/>
               <p:cNvPicPr>
                 <a:picLocks noChangeAspect="1"/>
               </p:cNvPicPr>
               <p:nvPr/>
             </p:nvPicPr>
             <p:blipFill>
-              <a:blip r:embed="rId10" cstate="print"/>
+              <a:blip r:embed="rId20" cstate="print"/>
               <a:stretch>
                 <a:fillRect/>
               </a:stretch>
             </p:blipFill>
             <p:spPr>
               <a:xfrm rot="5400000">
-                <a:off x="7544541" y="2383316"/>
+                <a:off x="7544541" y="4255151"/>
                 <a:ext cx="423025" cy="406526"/>
               </a:xfrm>
               <a:prstGeom prst="rect">
@@ -6192,7 +5953,7 @@
         </p:grpSp>
         <p:pic>
           <p:nvPicPr>
-            <p:cNvPr id="67" name="Object 66"/>
+            <p:cNvPr id="46" name="Object 45"/>
             <p:cNvPicPr>
               <a:picLocks noChangeAspect="1"/>
             </p:cNvPicPr>
@@ -6206,7 +5967,7 @@
           </p:blipFill>
           <p:spPr>
             <a:xfrm>
-              <a:off x="7940922" y="2223962"/>
+              <a:off x="7940922" y="4095797"/>
               <a:ext cx="957937" cy="696537"/>
             </a:xfrm>
             <a:prstGeom prst="rect">
@@ -6214,24 +5975,258 @@
             </a:prstGeom>
           </p:spPr>
         </p:pic>
+      </p:grpSp>
+      <p:pic>
+        <p:nvPicPr>
+          <p:cNvPr id="48" name="Object 47"/>
+          <p:cNvPicPr>
+            <a:picLocks noChangeAspect="1"/>
+          </p:cNvPicPr>
+          <p:nvPr/>
+        </p:nvPicPr>
+        <p:blipFill>
+          <a:blip r:embed="rId22" cstate="print"/>
+          <a:stretch>
+            <a:fillRect/>
+          </a:stretch>
+        </p:blipFill>
+        <p:spPr>
+          <a:xfrm>
+            <a:off x="7982829" y="4739522"/>
+            <a:ext cx="3309368" cy="883625"/>
+          </a:xfrm>
+          <a:prstGeom prst="rect">
+            <a:avLst/>
+          </a:prstGeom>
+        </p:spPr>
+      </p:pic>
+      <p:grpSp>
+        <p:nvGrpSpPr>
+          <p:cNvPr id="1014" name="그룹 1014"/>
+          <p:cNvGrpSpPr/>
+          <p:nvPr/>
+        </p:nvGrpSpPr>
+        <p:grpSpPr>
+          <a:xfrm>
+            <a:off x="12086669" y="4154848"/>
+            <a:ext cx="3938146" cy="552198"/>
+            <a:chOff x="12086669" y="4154848"/>
+            <a:chExt cx="3938146" cy="552198"/>
+          </a:xfrm>
+        </p:grpSpPr>
+        <p:grpSp>
+          <p:nvGrpSpPr>
+            <p:cNvPr id="1015" name="그룹 1015"/>
+            <p:cNvGrpSpPr/>
+            <p:nvPr/>
+          </p:nvGrpSpPr>
+          <p:grpSpPr>
+            <a:xfrm>
+              <a:off x="12078419" y="4255151"/>
+              <a:ext cx="423025" cy="406526"/>
+              <a:chOff x="12078419" y="4255151"/>
+              <a:chExt cx="423025" cy="406526"/>
+            </a:xfrm>
+          </p:grpSpPr>
+          <p:pic>
+            <p:nvPicPr>
+              <p:cNvPr id="51" name="Object 50"/>
+              <p:cNvPicPr>
+                <a:picLocks noChangeAspect="1"/>
+              </p:cNvPicPr>
+              <p:nvPr/>
+            </p:nvPicPr>
+            <p:blipFill>
+              <a:blip r:embed="rId23" cstate="print"/>
+              <a:stretch>
+                <a:fillRect/>
+              </a:stretch>
+            </p:blipFill>
+            <p:spPr>
+              <a:xfrm rot="5400000">
+                <a:off x="12078419" y="4255151"/>
+                <a:ext cx="423025" cy="406526"/>
+              </a:xfrm>
+              <a:prstGeom prst="rect">
+                <a:avLst/>
+              </a:prstGeom>
+            </p:spPr>
+          </p:pic>
+        </p:grpSp>
         <p:pic>
           <p:nvPicPr>
-            <p:cNvPr id="68" name="Object 67"/>
+            <p:cNvPr id="53" name="Object 52"/>
             <p:cNvPicPr>
               <a:picLocks noChangeAspect="1"/>
             </p:cNvPicPr>
             <p:nvPr/>
           </p:nvPicPr>
           <p:blipFill>
-            <a:blip r:embed="rId22" cstate="print"/>
+            <a:blip r:embed="rId24" cstate="print"/>
             <a:stretch>
               <a:fillRect/>
             </a:stretch>
           </p:blipFill>
           <p:spPr>
             <a:xfrm>
-              <a:off x="7982829" y="2867687"/>
-              <a:ext cx="3309368" cy="883625"/>
+              <a:off x="12474763" y="4095801"/>
+              <a:ext cx="691290" cy="788385"/>
+            </a:xfrm>
+            <a:prstGeom prst="rect">
+              <a:avLst/>
+            </a:prstGeom>
+          </p:spPr>
+        </p:pic>
+      </p:grpSp>
+      <p:grpSp>
+        <p:nvGrpSpPr>
+          <p:cNvPr id="1016" name="그룹 1016"/>
+          <p:cNvGrpSpPr/>
+          <p:nvPr/>
+        </p:nvGrpSpPr>
+        <p:grpSpPr>
+          <a:xfrm>
+            <a:off x="12086669" y="6582091"/>
+            <a:ext cx="3938146" cy="552198"/>
+            <a:chOff x="12086669" y="6582091"/>
+            <a:chExt cx="3938146" cy="552198"/>
+          </a:xfrm>
+        </p:grpSpPr>
+        <p:grpSp>
+          <p:nvGrpSpPr>
+            <p:cNvPr id="1017" name="그룹 1017"/>
+            <p:cNvGrpSpPr/>
+            <p:nvPr/>
+          </p:nvGrpSpPr>
+          <p:grpSpPr>
+            <a:xfrm>
+              <a:off x="12078419" y="6682392"/>
+              <a:ext cx="423025" cy="406526"/>
+              <a:chOff x="12078419" y="6682392"/>
+              <a:chExt cx="423025" cy="406526"/>
+            </a:xfrm>
+          </p:grpSpPr>
+          <p:pic>
+            <p:nvPicPr>
+              <p:cNvPr id="57" name="Object 56"/>
+              <p:cNvPicPr>
+                <a:picLocks noChangeAspect="1"/>
+              </p:cNvPicPr>
+              <p:nvPr/>
+            </p:nvPicPr>
+            <p:blipFill>
+              <a:blip r:embed="rId25" cstate="print"/>
+              <a:stretch>
+                <a:fillRect/>
+              </a:stretch>
+            </p:blipFill>
+            <p:spPr>
+              <a:xfrm rot="5400000">
+                <a:off x="12078419" y="6682392"/>
+                <a:ext cx="423025" cy="406526"/>
+              </a:xfrm>
+              <a:prstGeom prst="rect">
+                <a:avLst/>
+              </a:prstGeom>
+            </p:spPr>
+          </p:pic>
+        </p:grpSp>
+        <p:pic>
+          <p:nvPicPr>
+            <p:cNvPr id="59" name="Object 58"/>
+            <p:cNvPicPr>
+              <a:picLocks noChangeAspect="1"/>
+            </p:cNvPicPr>
+            <p:nvPr/>
+          </p:nvPicPr>
+          <p:blipFill>
+            <a:blip r:embed="rId26" cstate="print"/>
+            <a:stretch>
+              <a:fillRect/>
+            </a:stretch>
+          </p:blipFill>
+          <p:spPr>
+            <a:xfrm>
+              <a:off x="12474763" y="6523044"/>
+              <a:ext cx="1658576" cy="704966"/>
+            </a:xfrm>
+            <a:prstGeom prst="rect">
+              <a:avLst/>
+            </a:prstGeom>
+          </p:spPr>
+        </p:pic>
+      </p:grpSp>
+      <p:grpSp>
+        <p:nvGrpSpPr>
+          <p:cNvPr id="1018" name="그룹 1018"/>
+          <p:cNvGrpSpPr/>
+          <p:nvPr/>
+        </p:nvGrpSpPr>
+        <p:grpSpPr>
+          <a:xfrm>
+            <a:off x="7552791" y="2417171"/>
+            <a:ext cx="3938186" cy="552198"/>
+            <a:chOff x="7552791" y="2417171"/>
+            <a:chExt cx="3938186" cy="552198"/>
+          </a:xfrm>
+        </p:grpSpPr>
+        <p:grpSp>
+          <p:nvGrpSpPr>
+            <p:cNvPr id="1019" name="그룹 1019"/>
+            <p:cNvGrpSpPr/>
+            <p:nvPr/>
+          </p:nvGrpSpPr>
+          <p:grpSpPr>
+            <a:xfrm>
+              <a:off x="7544541" y="2517482"/>
+              <a:ext cx="423025" cy="406526"/>
+              <a:chOff x="7544541" y="2517482"/>
+              <a:chExt cx="423025" cy="406526"/>
+            </a:xfrm>
+          </p:grpSpPr>
+          <p:pic>
+            <p:nvPicPr>
+              <p:cNvPr id="63" name="Object 62"/>
+              <p:cNvPicPr>
+                <a:picLocks noChangeAspect="1"/>
+              </p:cNvPicPr>
+              <p:nvPr/>
+            </p:nvPicPr>
+            <p:blipFill>
+              <a:blip r:embed="rId27" cstate="print"/>
+              <a:stretch>
+                <a:fillRect/>
+              </a:stretch>
+            </p:blipFill>
+            <p:spPr>
+              <a:xfrm rot="5400000">
+                <a:off x="7544541" y="2517482"/>
+                <a:ext cx="423025" cy="406526"/>
+              </a:xfrm>
+              <a:prstGeom prst="rect">
+                <a:avLst/>
+              </a:prstGeom>
+            </p:spPr>
+          </p:pic>
+        </p:grpSp>
+        <p:pic>
+          <p:nvPicPr>
+            <p:cNvPr id="65" name="Object 64"/>
+            <p:cNvPicPr>
+              <a:picLocks noChangeAspect="1"/>
+            </p:cNvPicPr>
+            <p:nvPr/>
+          </p:nvPicPr>
+          <p:blipFill>
+            <a:blip r:embed="rId28" cstate="print"/>
+            <a:stretch>
+              <a:fillRect/>
+            </a:stretch>
+          </p:blipFill>
+          <p:spPr>
+            <a:xfrm>
+              <a:off x="7940925" y="2358125"/>
+              <a:ext cx="2438376" cy="704966"/>
             </a:xfrm>
             <a:prstGeom prst="rect">
               <a:avLst/>
@@ -6501,8 +6496,8 @@
         </p:blipFill>
         <p:spPr>
           <a:xfrm>
-            <a:off x="7973584" y="6286083"/>
-            <a:ext cx="2282405" cy="1162718"/>
+            <a:off x="7087091" y="6281630"/>
+            <a:ext cx="4208624" cy="1256413"/>
           </a:xfrm>
           <a:prstGeom prst="rect">
             <a:avLst/>
@@ -6613,30 +6608,69 @@
         </p:nvGrpSpPr>
         <p:grpSpPr>
           <a:xfrm>
-            <a:off x="8422725" y="4660821"/>
-            <a:ext cx="1440263" cy="1440263"/>
-            <a:chOff x="8422725" y="4660821"/>
-            <a:chExt cx="1440263" cy="1440263"/>
+            <a:off x="8271342" y="4660821"/>
+            <a:ext cx="1743030" cy="1726703"/>
+            <a:chOff x="8271342" y="4660821"/>
+            <a:chExt cx="1743030" cy="1726703"/>
           </a:xfrm>
         </p:grpSpPr>
+        <p:grpSp>
+          <p:nvGrpSpPr>
+            <p:cNvPr id="1005" name="그룹 1005"/>
+            <p:cNvGrpSpPr/>
+            <p:nvPr/>
+          </p:nvGrpSpPr>
+          <p:grpSpPr>
+            <a:xfrm>
+              <a:off x="8287669" y="4660821"/>
+              <a:ext cx="1726703" cy="1726703"/>
+              <a:chOff x="8287669" y="4660821"/>
+              <a:chExt cx="1726703" cy="1726703"/>
+            </a:xfrm>
+          </p:grpSpPr>
+          <p:pic>
+            <p:nvPicPr>
+              <p:cNvPr id="22" name="Object 21"/>
+              <p:cNvPicPr>
+                <a:picLocks noChangeAspect="1"/>
+              </p:cNvPicPr>
+              <p:nvPr/>
+            </p:nvPicPr>
+            <p:blipFill>
+              <a:blip r:embed="rId14" cstate="print"/>
+              <a:stretch>
+                <a:fillRect/>
+              </a:stretch>
+            </p:blipFill>
+            <p:spPr>
+              <a:xfrm>
+                <a:off x="8287669" y="4660821"/>
+                <a:ext cx="1726703" cy="1726703"/>
+              </a:xfrm>
+              <a:prstGeom prst="rect">
+                <a:avLst/>
+              </a:prstGeom>
+            </p:spPr>
+          </p:pic>
+        </p:grpSp>
         <p:pic>
           <p:nvPicPr>
-            <p:cNvPr id="21" name="Object 20"/>
+            <p:cNvPr id="24" name="Object 23"/>
             <p:cNvPicPr>
               <a:picLocks noChangeAspect="1"/>
             </p:cNvPicPr>
             <p:nvPr/>
           </p:nvPicPr>
           <p:blipFill>
-            <a:blip r:embed="rId14" cstate="print"/>
+            <a:blip r:embed="rId15" cstate="print"/>
             <a:stretch>
               <a:fillRect/>
             </a:stretch>
           </p:blipFill>
           <p:spPr>
             <a:xfrm>
-              <a:off x="8422725" y="4660821"/>
-              <a:ext cx="1440263" cy="1440263"/>
+              <a:off x="8176107" y="4638935"/>
+              <a:ext cx="1949657" cy="1853933"/>
             </a:xfrm>
             <a:prstGeom prst="rect">
               <a:avLst/>
@@ -6961,7 +6995,7 @@
             <p:nvPr/>
           </p:nvPicPr>
           <p:blipFill>
-            <a:blip r:embed="rId7" cstate="print"/>
+            <a:blip r:embed="rId11" cstate="print"/>
             <a:stretch>
               <a:fillRect/>
             </a:stretch>
@@ -6985,7 +7019,7 @@
             <p:nvPr/>
           </p:nvPicPr>
           <p:blipFill>
-            <a:blip r:embed="rId8" cstate="print"/>
+            <a:blip r:embed="rId12" cstate="print"/>
             <a:stretch>
               <a:fillRect/>
             </a:stretch>
@@ -7010,7 +7044,7 @@
           <p:nvPr/>
         </p:nvPicPr>
         <p:blipFill>
-          <a:blip r:embed="rId11" cstate="print"/>
+          <a:blip r:embed="rId13" cstate="print"/>
           <a:stretch>
             <a:fillRect/>
           </a:stretch>
@@ -7034,7 +7068,7 @@
           <p:nvPr/>
         </p:nvPicPr>
         <p:blipFill>
-          <a:blip r:embed="rId12" cstate="print"/>
+          <a:blip r:embed="rId14" cstate="print"/>
           <a:stretch>
             <a:fillRect/>
           </a:stretch>
@@ -7072,7 +7106,7 @@
             <p:nvPr/>
           </p:nvPicPr>
           <p:blipFill>
-            <a:blip r:embed="rId7" cstate="print"/>
+            <a:blip r:embed="rId15" cstate="print"/>
             <a:stretch>
               <a:fillRect/>
             </a:stretch>
@@ -7096,7 +7130,7 @@
             <p:nvPr/>
           </p:nvPicPr>
           <p:blipFill>
-            <a:blip r:embed="rId8" cstate="print"/>
+            <a:blip r:embed="rId16" cstate="print"/>
             <a:stretch>
               <a:fillRect/>
             </a:stretch>
@@ -7121,7 +7155,7 @@
           <p:nvPr/>
         </p:nvPicPr>
         <p:blipFill>
-          <a:blip r:embed="rId13" cstate="print"/>
+          <a:blip r:embed="rId17" cstate="print"/>
           <a:stretch>
             <a:fillRect/>
           </a:stretch>
@@ -7145,7 +7179,7 @@
           <p:nvPr/>
         </p:nvPicPr>
         <p:blipFill>
-          <a:blip r:embed="rId14" cstate="print"/>
+          <a:blip r:embed="rId18" cstate="print"/>
           <a:stretch>
             <a:fillRect/>
           </a:stretch>
@@ -7183,7 +7217,7 @@
             <p:nvPr/>
           </p:nvPicPr>
           <p:blipFill>
-            <a:blip r:embed="rId15" cstate="print"/>
+            <a:blip r:embed="rId19" cstate="print"/>
             <a:stretch>
               <a:fillRect/>
             </a:stretch>
@@ -7222,7 +7256,7 @@
             <p:nvPr/>
           </p:nvPicPr>
           <p:blipFill>
-            <a:blip r:embed="rId16" cstate="print"/>
+            <a:blip r:embed="rId20" cstate="print"/>
             <a:stretch>
               <a:fillRect/>
             </a:stretch>
@@ -7261,7 +7295,7 @@
             <p:nvPr/>
           </p:nvPicPr>
           <p:blipFill>
-            <a:blip r:embed="rId17" cstate="print"/>
+            <a:blip r:embed="rId21" cstate="print"/>
             <a:stretch>
               <a:fillRect/>
             </a:stretch>
@@ -7286,7 +7320,7 @@
           <p:nvPr/>
         </p:nvPicPr>
         <p:blipFill>
-          <a:blip r:embed="rId18" cstate="print"/>
+          <a:blip r:embed="rId22" cstate="print"/>
           <a:stretch>
             <a:fillRect/>
           </a:stretch>
@@ -7310,7 +7344,7 @@
           <p:nvPr/>
         </p:nvPicPr>
         <p:blipFill>
-          <a:blip r:embed="rId19" cstate="print"/>
+          <a:blip r:embed="rId23" cstate="print"/>
           <a:stretch>
             <a:fillRect/>
           </a:stretch>
